--- a/Recharge.pptx
+++ b/Recharge.pptx
@@ -274,7 +274,7 @@
           <a:p>
             <a:fld id="{55B5673A-2C76-400E-AECF-A7C5CD58B306}" type="datetimeFigureOut">
               <a:rPr lang="zh-TW" altLang="en-US" smtClean="0"/>
-              <a:t>2020/12/9</a:t>
+              <a:t>2020/12/10</a:t>
             </a:fld>
             <a:endParaRPr lang="zh-TW" altLang="en-US"/>
           </a:p>
@@ -472,7 +472,7 @@
           <a:p>
             <a:fld id="{55B5673A-2C76-400E-AECF-A7C5CD58B306}" type="datetimeFigureOut">
               <a:rPr lang="zh-TW" altLang="en-US" smtClean="0"/>
-              <a:t>2020/12/9</a:t>
+              <a:t>2020/12/10</a:t>
             </a:fld>
             <a:endParaRPr lang="zh-TW" altLang="en-US"/>
           </a:p>
@@ -680,7 +680,7 @@
           <a:p>
             <a:fld id="{55B5673A-2C76-400E-AECF-A7C5CD58B306}" type="datetimeFigureOut">
               <a:rPr lang="zh-TW" altLang="en-US" smtClean="0"/>
-              <a:t>2020/12/9</a:t>
+              <a:t>2020/12/10</a:t>
             </a:fld>
             <a:endParaRPr lang="zh-TW" altLang="en-US"/>
           </a:p>
@@ -878,7 +878,7 @@
           <a:p>
             <a:fld id="{55B5673A-2C76-400E-AECF-A7C5CD58B306}" type="datetimeFigureOut">
               <a:rPr lang="zh-TW" altLang="en-US" smtClean="0"/>
-              <a:t>2020/12/9</a:t>
+              <a:t>2020/12/10</a:t>
             </a:fld>
             <a:endParaRPr lang="zh-TW" altLang="en-US"/>
           </a:p>
@@ -1153,7 +1153,7 @@
           <a:p>
             <a:fld id="{55B5673A-2C76-400E-AECF-A7C5CD58B306}" type="datetimeFigureOut">
               <a:rPr lang="zh-TW" altLang="en-US" smtClean="0"/>
-              <a:t>2020/12/9</a:t>
+              <a:t>2020/12/10</a:t>
             </a:fld>
             <a:endParaRPr lang="zh-TW" altLang="en-US"/>
           </a:p>
@@ -1418,7 +1418,7 @@
           <a:p>
             <a:fld id="{55B5673A-2C76-400E-AECF-A7C5CD58B306}" type="datetimeFigureOut">
               <a:rPr lang="zh-TW" altLang="en-US" smtClean="0"/>
-              <a:t>2020/12/9</a:t>
+              <a:t>2020/12/10</a:t>
             </a:fld>
             <a:endParaRPr lang="zh-TW" altLang="en-US"/>
           </a:p>
@@ -1830,7 +1830,7 @@
           <a:p>
             <a:fld id="{55B5673A-2C76-400E-AECF-A7C5CD58B306}" type="datetimeFigureOut">
               <a:rPr lang="zh-TW" altLang="en-US" smtClean="0"/>
-              <a:t>2020/12/9</a:t>
+              <a:t>2020/12/10</a:t>
             </a:fld>
             <a:endParaRPr lang="zh-TW" altLang="en-US"/>
           </a:p>
@@ -1971,7 +1971,7 @@
           <a:p>
             <a:fld id="{55B5673A-2C76-400E-AECF-A7C5CD58B306}" type="datetimeFigureOut">
               <a:rPr lang="zh-TW" altLang="en-US" smtClean="0"/>
-              <a:t>2020/12/9</a:t>
+              <a:t>2020/12/10</a:t>
             </a:fld>
             <a:endParaRPr lang="zh-TW" altLang="en-US"/>
           </a:p>
@@ -2084,7 +2084,7 @@
           <a:p>
             <a:fld id="{55B5673A-2C76-400E-AECF-A7C5CD58B306}" type="datetimeFigureOut">
               <a:rPr lang="zh-TW" altLang="en-US" smtClean="0"/>
-              <a:t>2020/12/9</a:t>
+              <a:t>2020/12/10</a:t>
             </a:fld>
             <a:endParaRPr lang="zh-TW" altLang="en-US"/>
           </a:p>
@@ -2395,7 +2395,7 @@
           <a:p>
             <a:fld id="{55B5673A-2C76-400E-AECF-A7C5CD58B306}" type="datetimeFigureOut">
               <a:rPr lang="zh-TW" altLang="en-US" smtClean="0"/>
-              <a:t>2020/12/9</a:t>
+              <a:t>2020/12/10</a:t>
             </a:fld>
             <a:endParaRPr lang="zh-TW" altLang="en-US"/>
           </a:p>
@@ -2683,7 +2683,7 @@
           <a:p>
             <a:fld id="{55B5673A-2C76-400E-AECF-A7C5CD58B306}" type="datetimeFigureOut">
               <a:rPr lang="zh-TW" altLang="en-US" smtClean="0"/>
-              <a:t>2020/12/9</a:t>
+              <a:t>2020/12/10</a:t>
             </a:fld>
             <a:endParaRPr lang="zh-TW" altLang="en-US"/>
           </a:p>
@@ -2927,7 +2927,7 @@
           <a:p>
             <a:fld id="{55B5673A-2C76-400E-AECF-A7C5CD58B306}" type="datetimeFigureOut">
               <a:rPr lang="zh-TW" altLang="en-US" smtClean="0"/>
-              <a:t>2020/12/9</a:t>
+              <a:t>2020/12/10</a:t>
             </a:fld>
             <a:endParaRPr lang="zh-TW" altLang="en-US"/>
           </a:p>
@@ -3909,8 +3909,8 @@
         </p:nvSpPr>
         <p:spPr>
           <a:xfrm>
-            <a:off x="2784139" y="1216285"/>
-            <a:ext cx="5678320" cy="3539430"/>
+            <a:off x="2993689" y="1324006"/>
+            <a:ext cx="5678320" cy="3323987"/>
           </a:xfrm>
           <a:prstGeom prst="rect">
             <a:avLst/>
@@ -4522,58 +4522,6 @@
                 <a:latin typeface="Consolas" panose="020B0609020204030204" pitchFamily="49" charset="0"/>
               </a:rPr>
             </a:br>
-            <a:r>
-              <a:rPr lang="en-US" altLang="zh-TW" sz="1400" b="0" dirty="0">
-                <a:solidFill>
-                  <a:srgbClr val="F8F8F2"/>
-                </a:solidFill>
-                <a:effectLst/>
-                <a:latin typeface="Consolas" panose="020B0609020204030204" pitchFamily="49" charset="0"/>
-              </a:rPr>
-              <a:t>      p[</a:t>
-            </a:r>
-            <a:r>
-              <a:rPr lang="en-US" altLang="zh-TW" sz="1400" b="0" dirty="0">
-                <a:solidFill>
-                  <a:srgbClr val="FFEE99"/>
-                </a:solidFill>
-                <a:effectLst/>
-                <a:latin typeface="Consolas" panose="020B0609020204030204" pitchFamily="49" charset="0"/>
-              </a:rPr>
-              <a:t>"</a:t>
-            </a:r>
-            <a:r>
-              <a:rPr lang="en-US" altLang="zh-TW" sz="1400" b="0" dirty="0" err="1">
-                <a:solidFill>
-                  <a:srgbClr val="FFEE99"/>
-                </a:solidFill>
-                <a:effectLst/>
-                <a:latin typeface="Consolas" panose="020B0609020204030204" pitchFamily="49" charset="0"/>
-              </a:rPr>
-              <a:t>abc</a:t>
-            </a:r>
-            <a:r>
-              <a:rPr lang="en-US" altLang="zh-TW" sz="1400" b="0" dirty="0">
-                <a:solidFill>
-                  <a:srgbClr val="FFEE99"/>
-                </a:solidFill>
-                <a:effectLst/>
-                <a:latin typeface="Consolas" panose="020B0609020204030204" pitchFamily="49" charset="0"/>
-              </a:rPr>
-              <a:t>"</a:t>
-            </a:r>
-            <a:r>
-              <a:rPr lang="en-US" altLang="zh-TW" sz="1400" b="0" dirty="0">
-                <a:solidFill>
-                  <a:srgbClr val="F8F8F2"/>
-                </a:solidFill>
-                <a:effectLst/>
-                <a:latin typeface="Consolas" panose="020B0609020204030204" pitchFamily="49" charset="0"/>
-              </a:rPr>
-              <a:t>];</a:t>
-            </a:r>
-          </a:p>
-          <a:p>
             <a:r>
               <a:rPr lang="en-US" altLang="zh-TW" sz="1400" b="0" dirty="0">
                 <a:solidFill>

--- a/Recharge.pptx
+++ b/Recharge.pptx
@@ -3392,7 +3392,7 @@
                 <a:latin typeface="微軟正黑體" panose="020B0604030504040204" pitchFamily="34" charset="-120"/>
                 <a:ea typeface="微軟正黑體" panose="020B0604030504040204" pitchFamily="34" charset="-120"/>
               </a:rPr>
-              <a:t>基礎加值篇</a:t>
+              <a:t>加值篇</a:t>
             </a:r>
           </a:p>
         </p:txBody>

--- a/Recharge.pptx
+++ b/Recharge.pptx
@@ -9,6 +9,7 @@
     <p:sldId id="257" r:id="rId3"/>
     <p:sldId id="258" r:id="rId4"/>
     <p:sldId id="259" r:id="rId5"/>
+    <p:sldId id="260" r:id="rId6"/>
   </p:sldIdLst>
   <p:sldSz cx="12192000" cy="6858000"/>
   <p:notesSz cx="6858000" cy="9144000"/>
@@ -274,7 +275,7 @@
           <a:p>
             <a:fld id="{55B5673A-2C76-400E-AECF-A7C5CD58B306}" type="datetimeFigureOut">
               <a:rPr lang="zh-TW" altLang="en-US" smtClean="0"/>
-              <a:t>2020/12/10</a:t>
+              <a:t>2020/12/28</a:t>
             </a:fld>
             <a:endParaRPr lang="zh-TW" altLang="en-US"/>
           </a:p>
@@ -472,7 +473,7 @@
           <a:p>
             <a:fld id="{55B5673A-2C76-400E-AECF-A7C5CD58B306}" type="datetimeFigureOut">
               <a:rPr lang="zh-TW" altLang="en-US" smtClean="0"/>
-              <a:t>2020/12/10</a:t>
+              <a:t>2020/12/28</a:t>
             </a:fld>
             <a:endParaRPr lang="zh-TW" altLang="en-US"/>
           </a:p>
@@ -680,7 +681,7 @@
           <a:p>
             <a:fld id="{55B5673A-2C76-400E-AECF-A7C5CD58B306}" type="datetimeFigureOut">
               <a:rPr lang="zh-TW" altLang="en-US" smtClean="0"/>
-              <a:t>2020/12/10</a:t>
+              <a:t>2020/12/28</a:t>
             </a:fld>
             <a:endParaRPr lang="zh-TW" altLang="en-US"/>
           </a:p>
@@ -878,7 +879,7 @@
           <a:p>
             <a:fld id="{55B5673A-2C76-400E-AECF-A7C5CD58B306}" type="datetimeFigureOut">
               <a:rPr lang="zh-TW" altLang="en-US" smtClean="0"/>
-              <a:t>2020/12/10</a:t>
+              <a:t>2020/12/28</a:t>
             </a:fld>
             <a:endParaRPr lang="zh-TW" altLang="en-US"/>
           </a:p>
@@ -1153,7 +1154,7 @@
           <a:p>
             <a:fld id="{55B5673A-2C76-400E-AECF-A7C5CD58B306}" type="datetimeFigureOut">
               <a:rPr lang="zh-TW" altLang="en-US" smtClean="0"/>
-              <a:t>2020/12/10</a:t>
+              <a:t>2020/12/28</a:t>
             </a:fld>
             <a:endParaRPr lang="zh-TW" altLang="en-US"/>
           </a:p>
@@ -1418,7 +1419,7 @@
           <a:p>
             <a:fld id="{55B5673A-2C76-400E-AECF-A7C5CD58B306}" type="datetimeFigureOut">
               <a:rPr lang="zh-TW" altLang="en-US" smtClean="0"/>
-              <a:t>2020/12/10</a:t>
+              <a:t>2020/12/28</a:t>
             </a:fld>
             <a:endParaRPr lang="zh-TW" altLang="en-US"/>
           </a:p>
@@ -1830,7 +1831,7 @@
           <a:p>
             <a:fld id="{55B5673A-2C76-400E-AECF-A7C5CD58B306}" type="datetimeFigureOut">
               <a:rPr lang="zh-TW" altLang="en-US" smtClean="0"/>
-              <a:t>2020/12/10</a:t>
+              <a:t>2020/12/28</a:t>
             </a:fld>
             <a:endParaRPr lang="zh-TW" altLang="en-US"/>
           </a:p>
@@ -1971,7 +1972,7 @@
           <a:p>
             <a:fld id="{55B5673A-2C76-400E-AECF-A7C5CD58B306}" type="datetimeFigureOut">
               <a:rPr lang="zh-TW" altLang="en-US" smtClean="0"/>
-              <a:t>2020/12/10</a:t>
+              <a:t>2020/12/28</a:t>
             </a:fld>
             <a:endParaRPr lang="zh-TW" altLang="en-US"/>
           </a:p>
@@ -2084,7 +2085,7 @@
           <a:p>
             <a:fld id="{55B5673A-2C76-400E-AECF-A7C5CD58B306}" type="datetimeFigureOut">
               <a:rPr lang="zh-TW" altLang="en-US" smtClean="0"/>
-              <a:t>2020/12/10</a:t>
+              <a:t>2020/12/28</a:t>
             </a:fld>
             <a:endParaRPr lang="zh-TW" altLang="en-US"/>
           </a:p>
@@ -2395,7 +2396,7 @@
           <a:p>
             <a:fld id="{55B5673A-2C76-400E-AECF-A7C5CD58B306}" type="datetimeFigureOut">
               <a:rPr lang="zh-TW" altLang="en-US" smtClean="0"/>
-              <a:t>2020/12/10</a:t>
+              <a:t>2020/12/28</a:t>
             </a:fld>
             <a:endParaRPr lang="zh-TW" altLang="en-US"/>
           </a:p>
@@ -2683,7 +2684,7 @@
           <a:p>
             <a:fld id="{55B5673A-2C76-400E-AECF-A7C5CD58B306}" type="datetimeFigureOut">
               <a:rPr lang="zh-TW" altLang="en-US" smtClean="0"/>
-              <a:t>2020/12/10</a:t>
+              <a:t>2020/12/28</a:t>
             </a:fld>
             <a:endParaRPr lang="zh-TW" altLang="en-US"/>
           </a:p>
@@ -2927,7 +2928,7 @@
           <a:p>
             <a:fld id="{55B5673A-2C76-400E-AECF-A7C5CD58B306}" type="datetimeFigureOut">
               <a:rPr lang="zh-TW" altLang="en-US" smtClean="0"/>
-              <a:t>2020/12/10</a:t>
+              <a:t>2020/12/28</a:t>
             </a:fld>
             <a:endParaRPr lang="zh-TW" altLang="en-US"/>
           </a:p>
@@ -5071,6 +5072,469 @@
 </p:sld>
 </file>
 
+<file path=ppt/slides/slide5.xml><?xml version="1.0" encoding="utf-8"?>
+<p:sld xmlns:a="http://schemas.openxmlformats.org/drawingml/2006/main" xmlns:r="http://schemas.openxmlformats.org/officeDocument/2006/relationships" xmlns:p="http://schemas.openxmlformats.org/presentationml/2006/main">
+  <p:cSld>
+    <p:spTree>
+      <p:nvGrpSpPr>
+        <p:cNvPr id="1" name=""/>
+        <p:cNvGrpSpPr/>
+        <p:nvPr/>
+      </p:nvGrpSpPr>
+      <p:grpSpPr>
+        <a:xfrm>
+          <a:off x="0" y="0"/>
+          <a:ext cx="0" cy="0"/>
+          <a:chOff x="0" y="0"/>
+          <a:chExt cx="0" cy="0"/>
+        </a:xfrm>
+      </p:grpSpPr>
+      <p:sp>
+        <p:nvSpPr>
+          <p:cNvPr id="8" name="矩形 7">
+            <a:extLst>
+              <a:ext uri="{FF2B5EF4-FFF2-40B4-BE49-F238E27FC236}">
+                <a16:creationId xmlns:a16="http://schemas.microsoft.com/office/drawing/2014/main" id="{FE99E55B-95D4-4153-B958-D140A0627BA2}"/>
+              </a:ext>
+            </a:extLst>
+          </p:cNvPr>
+          <p:cNvSpPr/>
+          <p:nvPr/>
+        </p:nvSpPr>
+        <p:spPr>
+          <a:xfrm>
+            <a:off x="3549691" y="1529209"/>
+            <a:ext cx="4617436" cy="3661857"/>
+          </a:xfrm>
+          <a:prstGeom prst="rect">
+            <a:avLst/>
+          </a:prstGeom>
+        </p:spPr>
+        <p:style>
+          <a:lnRef idx="2">
+            <a:schemeClr val="dk1">
+              <a:shade val="50000"/>
+            </a:schemeClr>
+          </a:lnRef>
+          <a:fillRef idx="1">
+            <a:schemeClr val="dk1"/>
+          </a:fillRef>
+          <a:effectRef idx="0">
+            <a:schemeClr val="dk1"/>
+          </a:effectRef>
+          <a:fontRef idx="minor">
+            <a:schemeClr val="lt1"/>
+          </a:fontRef>
+        </p:style>
+        <p:txBody>
+          <a:bodyPr rtlCol="0" anchor="ctr"/>
+          <a:lstStyle/>
+          <a:p>
+            <a:pPr algn="ctr"/>
+            <a:endParaRPr lang="zh-TW" altLang="en-US"/>
+          </a:p>
+        </p:txBody>
+      </p:sp>
+      <p:sp>
+        <p:nvSpPr>
+          <p:cNvPr id="7" name="文字方塊 6">
+            <a:extLst>
+              <a:ext uri="{FF2B5EF4-FFF2-40B4-BE49-F238E27FC236}">
+                <a16:creationId xmlns:a16="http://schemas.microsoft.com/office/drawing/2014/main" id="{F3C318E3-9C02-4691-8870-7B1AD6605B6C}"/>
+              </a:ext>
+            </a:extLst>
+          </p:cNvPr>
+          <p:cNvSpPr txBox="1"/>
+          <p:nvPr/>
+        </p:nvSpPr>
+        <p:spPr>
+          <a:xfrm>
+            <a:off x="3642692" y="2205975"/>
+            <a:ext cx="4431433" cy="2308324"/>
+          </a:xfrm>
+          <a:prstGeom prst="rect">
+            <a:avLst/>
+          </a:prstGeom>
+          <a:noFill/>
+        </p:spPr>
+        <p:txBody>
+          <a:bodyPr wrap="square">
+            <a:spAutoFit/>
+          </a:bodyPr>
+          <a:lstStyle/>
+          <a:p>
+            <a:r>
+              <a:rPr lang="en-US" altLang="zh-TW" b="0" dirty="0">
+                <a:solidFill>
+                  <a:srgbClr val="F8F8F2"/>
+                </a:solidFill>
+                <a:effectLst/>
+                <a:latin typeface="Consolas" panose="020B0609020204030204" pitchFamily="49" charset="0"/>
+              </a:rPr>
+              <a:t>    &lt;</a:t>
+            </a:r>
+            <a:r>
+              <a:rPr lang="en-US" altLang="zh-TW" b="0" i="1" dirty="0">
+                <a:solidFill>
+                  <a:srgbClr val="66D9EF"/>
+                </a:solidFill>
+                <a:effectLst/>
+                <a:latin typeface="Consolas" panose="020B0609020204030204" pitchFamily="49" charset="0"/>
+              </a:rPr>
+              <a:t>Suspense</a:t>
+            </a:r>
+            <a:r>
+              <a:rPr lang="en-US" altLang="zh-TW" b="0" dirty="0">
+                <a:solidFill>
+                  <a:srgbClr val="F8F8F2"/>
+                </a:solidFill>
+                <a:effectLst/>
+                <a:latin typeface="Consolas" panose="020B0609020204030204" pitchFamily="49" charset="0"/>
+              </a:rPr>
+              <a:t>&gt;</a:t>
+            </a:r>
+          </a:p>
+          <a:p>
+            <a:r>
+              <a:rPr lang="en-US" altLang="zh-TW" b="0" dirty="0">
+                <a:solidFill>
+                  <a:srgbClr val="F8F8F2"/>
+                </a:solidFill>
+                <a:effectLst/>
+                <a:latin typeface="Consolas" panose="020B0609020204030204" pitchFamily="49" charset="0"/>
+              </a:rPr>
+              <a:t>      &lt;</a:t>
+            </a:r>
+            <a:r>
+              <a:rPr lang="en-US" altLang="zh-TW" b="0" dirty="0">
+                <a:solidFill>
+                  <a:srgbClr val="F92672"/>
+                </a:solidFill>
+                <a:effectLst/>
+                <a:latin typeface="Consolas" panose="020B0609020204030204" pitchFamily="49" charset="0"/>
+              </a:rPr>
+              <a:t>template</a:t>
+            </a:r>
+            <a:r>
+              <a:rPr lang="en-US" altLang="zh-TW" b="0" dirty="0">
+                <a:solidFill>
+                  <a:srgbClr val="F8F8F2"/>
+                </a:solidFill>
+                <a:effectLst/>
+                <a:latin typeface="Consolas" panose="020B0609020204030204" pitchFamily="49" charset="0"/>
+              </a:rPr>
+              <a:t> #</a:t>
+            </a:r>
+            <a:r>
+              <a:rPr lang="en-US" altLang="zh-TW" b="0" dirty="0">
+                <a:solidFill>
+                  <a:srgbClr val="A6E22E"/>
+                </a:solidFill>
+                <a:effectLst/>
+                <a:latin typeface="Consolas" panose="020B0609020204030204" pitchFamily="49" charset="0"/>
+              </a:rPr>
+              <a:t>default</a:t>
+            </a:r>
+            <a:r>
+              <a:rPr lang="en-US" altLang="zh-TW" b="0" dirty="0">
+                <a:solidFill>
+                  <a:srgbClr val="F8F8F2"/>
+                </a:solidFill>
+                <a:effectLst/>
+                <a:latin typeface="Consolas" panose="020B0609020204030204" pitchFamily="49" charset="0"/>
+              </a:rPr>
+              <a:t>&gt;</a:t>
+            </a:r>
+          </a:p>
+          <a:p>
+            <a:r>
+              <a:rPr lang="en-US" altLang="zh-TW" b="0" dirty="0">
+                <a:solidFill>
+                  <a:srgbClr val="F8F8F2"/>
+                </a:solidFill>
+                <a:effectLst/>
+                <a:latin typeface="Consolas" panose="020B0609020204030204" pitchFamily="49" charset="0"/>
+              </a:rPr>
+              <a:t>        &lt;</a:t>
+            </a:r>
+            <a:r>
+              <a:rPr lang="en-US" altLang="zh-TW" b="0" i="1" dirty="0">
+                <a:solidFill>
+                  <a:srgbClr val="66D9EF"/>
+                </a:solidFill>
+                <a:effectLst/>
+                <a:latin typeface="Consolas" panose="020B0609020204030204" pitchFamily="49" charset="0"/>
+              </a:rPr>
+              <a:t>PhotoBox</a:t>
+            </a:r>
+            <a:r>
+              <a:rPr lang="en-US" altLang="zh-TW" b="0" dirty="0">
+                <a:solidFill>
+                  <a:srgbClr val="F8F8F2"/>
+                </a:solidFill>
+                <a:effectLst/>
+                <a:latin typeface="Consolas" panose="020B0609020204030204" pitchFamily="49" charset="0"/>
+              </a:rPr>
+              <a:t> /&gt;</a:t>
+            </a:r>
+          </a:p>
+          <a:p>
+            <a:r>
+              <a:rPr lang="en-US" altLang="zh-TW" b="0" dirty="0">
+                <a:solidFill>
+                  <a:srgbClr val="F8F8F2"/>
+                </a:solidFill>
+                <a:effectLst/>
+                <a:latin typeface="Consolas" panose="020B0609020204030204" pitchFamily="49" charset="0"/>
+              </a:rPr>
+              <a:t>      &lt;/</a:t>
+            </a:r>
+            <a:r>
+              <a:rPr lang="en-US" altLang="zh-TW" b="0" dirty="0">
+                <a:solidFill>
+                  <a:srgbClr val="F92672"/>
+                </a:solidFill>
+                <a:effectLst/>
+                <a:latin typeface="Consolas" panose="020B0609020204030204" pitchFamily="49" charset="0"/>
+              </a:rPr>
+              <a:t>template</a:t>
+            </a:r>
+            <a:r>
+              <a:rPr lang="en-US" altLang="zh-TW" b="0" dirty="0">
+                <a:solidFill>
+                  <a:srgbClr val="F8F8F2"/>
+                </a:solidFill>
+                <a:effectLst/>
+                <a:latin typeface="Consolas" panose="020B0609020204030204" pitchFamily="49" charset="0"/>
+              </a:rPr>
+              <a:t>&gt;</a:t>
+            </a:r>
+          </a:p>
+          <a:p>
+            <a:r>
+              <a:rPr lang="en-US" altLang="zh-TW" b="0" dirty="0">
+                <a:solidFill>
+                  <a:srgbClr val="F8F8F2"/>
+                </a:solidFill>
+                <a:effectLst/>
+                <a:latin typeface="Consolas" panose="020B0609020204030204" pitchFamily="49" charset="0"/>
+              </a:rPr>
+              <a:t>      &lt;</a:t>
+            </a:r>
+            <a:r>
+              <a:rPr lang="en-US" altLang="zh-TW" b="0" dirty="0">
+                <a:solidFill>
+                  <a:srgbClr val="F92672"/>
+                </a:solidFill>
+                <a:effectLst/>
+                <a:latin typeface="Consolas" panose="020B0609020204030204" pitchFamily="49" charset="0"/>
+              </a:rPr>
+              <a:t>template</a:t>
+            </a:r>
+            <a:r>
+              <a:rPr lang="en-US" altLang="zh-TW" b="0" dirty="0">
+                <a:solidFill>
+                  <a:srgbClr val="F8F8F2"/>
+                </a:solidFill>
+                <a:effectLst/>
+                <a:latin typeface="Consolas" panose="020B0609020204030204" pitchFamily="49" charset="0"/>
+              </a:rPr>
+              <a:t> #</a:t>
+            </a:r>
+            <a:r>
+              <a:rPr lang="en-US" altLang="zh-TW" b="0" dirty="0">
+                <a:solidFill>
+                  <a:srgbClr val="A6E22E"/>
+                </a:solidFill>
+                <a:effectLst/>
+                <a:latin typeface="Consolas" panose="020B0609020204030204" pitchFamily="49" charset="0"/>
+              </a:rPr>
+              <a:t>fallback</a:t>
+            </a:r>
+            <a:r>
+              <a:rPr lang="en-US" altLang="zh-TW" b="0" dirty="0">
+                <a:solidFill>
+                  <a:srgbClr val="F8F8F2"/>
+                </a:solidFill>
+                <a:effectLst/>
+                <a:latin typeface="Consolas" panose="020B0609020204030204" pitchFamily="49" charset="0"/>
+              </a:rPr>
+              <a:t>&gt;</a:t>
+            </a:r>
+          </a:p>
+          <a:p>
+            <a:r>
+              <a:rPr lang="en-US" altLang="zh-TW" b="0" dirty="0">
+                <a:solidFill>
+                  <a:srgbClr val="F8F8F2"/>
+                </a:solidFill>
+                <a:effectLst/>
+                <a:latin typeface="Consolas" panose="020B0609020204030204" pitchFamily="49" charset="0"/>
+              </a:rPr>
+              <a:t>        &lt;</a:t>
+            </a:r>
+            <a:r>
+              <a:rPr lang="en-US" altLang="zh-TW" b="0" dirty="0">
+                <a:solidFill>
+                  <a:srgbClr val="F92672"/>
+                </a:solidFill>
+                <a:effectLst/>
+                <a:latin typeface="Consolas" panose="020B0609020204030204" pitchFamily="49" charset="0"/>
+              </a:rPr>
+              <a:t>h1</a:t>
+            </a:r>
+            <a:r>
+              <a:rPr lang="en-US" altLang="zh-TW" b="0" dirty="0">
+                <a:solidFill>
+                  <a:srgbClr val="F8F8F2"/>
+                </a:solidFill>
+                <a:effectLst/>
+                <a:latin typeface="Consolas" panose="020B0609020204030204" pitchFamily="49" charset="0"/>
+              </a:rPr>
+              <a:t>&gt;Loading...&lt;/</a:t>
+            </a:r>
+            <a:r>
+              <a:rPr lang="en-US" altLang="zh-TW" b="0" dirty="0">
+                <a:solidFill>
+                  <a:srgbClr val="F92672"/>
+                </a:solidFill>
+                <a:effectLst/>
+                <a:latin typeface="Consolas" panose="020B0609020204030204" pitchFamily="49" charset="0"/>
+              </a:rPr>
+              <a:t>h1</a:t>
+            </a:r>
+            <a:r>
+              <a:rPr lang="en-US" altLang="zh-TW" b="0" dirty="0">
+                <a:solidFill>
+                  <a:srgbClr val="F8F8F2"/>
+                </a:solidFill>
+                <a:effectLst/>
+                <a:latin typeface="Consolas" panose="020B0609020204030204" pitchFamily="49" charset="0"/>
+              </a:rPr>
+              <a:t>&gt;</a:t>
+            </a:r>
+          </a:p>
+          <a:p>
+            <a:r>
+              <a:rPr lang="en-US" altLang="zh-TW" b="0" dirty="0">
+                <a:solidFill>
+                  <a:srgbClr val="F8F8F2"/>
+                </a:solidFill>
+                <a:effectLst/>
+                <a:latin typeface="Consolas" panose="020B0609020204030204" pitchFamily="49" charset="0"/>
+              </a:rPr>
+              <a:t>      &lt;/</a:t>
+            </a:r>
+            <a:r>
+              <a:rPr lang="en-US" altLang="zh-TW" b="0" dirty="0">
+                <a:solidFill>
+                  <a:srgbClr val="F92672"/>
+                </a:solidFill>
+                <a:effectLst/>
+                <a:latin typeface="Consolas" panose="020B0609020204030204" pitchFamily="49" charset="0"/>
+              </a:rPr>
+              <a:t>template</a:t>
+            </a:r>
+            <a:r>
+              <a:rPr lang="en-US" altLang="zh-TW" b="0" dirty="0">
+                <a:solidFill>
+                  <a:srgbClr val="F8F8F2"/>
+                </a:solidFill>
+                <a:effectLst/>
+                <a:latin typeface="Consolas" panose="020B0609020204030204" pitchFamily="49" charset="0"/>
+              </a:rPr>
+              <a:t>&gt;</a:t>
+            </a:r>
+          </a:p>
+          <a:p>
+            <a:r>
+              <a:rPr lang="en-US" altLang="zh-TW" b="0" dirty="0">
+                <a:solidFill>
+                  <a:srgbClr val="F8F8F2"/>
+                </a:solidFill>
+                <a:effectLst/>
+                <a:latin typeface="Consolas" panose="020B0609020204030204" pitchFamily="49" charset="0"/>
+              </a:rPr>
+              <a:t>    &lt;/</a:t>
+            </a:r>
+            <a:r>
+              <a:rPr lang="en-US" altLang="zh-TW" b="0" i="1" dirty="0">
+                <a:solidFill>
+                  <a:srgbClr val="66D9EF"/>
+                </a:solidFill>
+                <a:effectLst/>
+                <a:latin typeface="Consolas" panose="020B0609020204030204" pitchFamily="49" charset="0"/>
+              </a:rPr>
+              <a:t>Suspense</a:t>
+            </a:r>
+            <a:r>
+              <a:rPr lang="en-US" altLang="zh-TW" b="0" dirty="0">
+                <a:solidFill>
+                  <a:srgbClr val="F8F8F2"/>
+                </a:solidFill>
+                <a:effectLst/>
+                <a:latin typeface="Consolas" panose="020B0609020204030204" pitchFamily="49" charset="0"/>
+              </a:rPr>
+              <a:t>&gt;</a:t>
+            </a:r>
+          </a:p>
+        </p:txBody>
+      </p:sp>
+      <p:sp>
+        <p:nvSpPr>
+          <p:cNvPr id="10" name="文字方塊 9">
+            <a:extLst>
+              <a:ext uri="{FF2B5EF4-FFF2-40B4-BE49-F238E27FC236}">
+                <a16:creationId xmlns:a16="http://schemas.microsoft.com/office/drawing/2014/main" id="{B40A1CB0-AC42-4AA3-B2E5-E5C6ABC01D75}"/>
+              </a:ext>
+            </a:extLst>
+          </p:cNvPr>
+          <p:cNvSpPr txBox="1"/>
+          <p:nvPr/>
+        </p:nvSpPr>
+        <p:spPr>
+          <a:xfrm>
+            <a:off x="1816019" y="5458743"/>
+            <a:ext cx="8696741" cy="369332"/>
+          </a:xfrm>
+          <a:prstGeom prst="rect">
+            <a:avLst/>
+          </a:prstGeom>
+          <a:noFill/>
+        </p:spPr>
+        <p:txBody>
+          <a:bodyPr wrap="square">
+            <a:spAutoFit/>
+          </a:bodyPr>
+          <a:lstStyle/>
+          <a:p>
+            <a:pPr algn="ctr"/>
+            <a:r>
+              <a:rPr lang="zh-TW" altLang="en-US" b="1" dirty="0">
+                <a:solidFill>
+                  <a:schemeClr val="bg1"/>
+                </a:solidFill>
+                <a:latin typeface="微軟正黑體" panose="020B0604030504040204" pitchFamily="34" charset="-120"/>
+                <a:ea typeface="微軟正黑體" panose="020B0604030504040204" pitchFamily="34" charset="-120"/>
+              </a:rPr>
+              <a:t>Suspense 目前還在討論階段，不保證未來的用法跟現在一樣，但是也有可能一樣</a:t>
+            </a:r>
+          </a:p>
+        </p:txBody>
+      </p:sp>
+    </p:spTree>
+    <p:extLst>
+      <p:ext uri="{BB962C8B-B14F-4D97-AF65-F5344CB8AC3E}">
+        <p14:creationId xmlns:p14="http://schemas.microsoft.com/office/powerpoint/2010/main" val="1527622386"/>
+      </p:ext>
+    </p:extLst>
+  </p:cSld>
+  <p:clrMapOvr>
+    <a:masterClrMapping/>
+  </p:clrMapOvr>
+</p:sld>
+</file>
+
 <file path=ppt/theme/theme1.xml><?xml version="1.0" encoding="utf-8"?>
 <a:theme xmlns:a="http://schemas.openxmlformats.org/drawingml/2006/main" name="Office 佈景主題">
   <a:themeElements>

--- a/Recharge.pptx
+++ b/Recharge.pptx
@@ -10,6 +10,8 @@
     <p:sldId id="258" r:id="rId4"/>
     <p:sldId id="259" r:id="rId5"/>
     <p:sldId id="260" r:id="rId6"/>
+    <p:sldId id="261" r:id="rId7"/>
+    <p:sldId id="262" r:id="rId8"/>
   </p:sldIdLst>
   <p:sldSz cx="12192000" cy="6858000"/>
   <p:notesSz cx="6858000" cy="9144000"/>
@@ -275,7 +277,7 @@
           <a:p>
             <a:fld id="{55B5673A-2C76-400E-AECF-A7C5CD58B306}" type="datetimeFigureOut">
               <a:rPr lang="zh-TW" altLang="en-US" smtClean="0"/>
-              <a:t>2020/12/28</a:t>
+              <a:t>2021/1/5</a:t>
             </a:fld>
             <a:endParaRPr lang="zh-TW" altLang="en-US"/>
           </a:p>
@@ -473,7 +475,7 @@
           <a:p>
             <a:fld id="{55B5673A-2C76-400E-AECF-A7C5CD58B306}" type="datetimeFigureOut">
               <a:rPr lang="zh-TW" altLang="en-US" smtClean="0"/>
-              <a:t>2020/12/28</a:t>
+              <a:t>2021/1/5</a:t>
             </a:fld>
             <a:endParaRPr lang="zh-TW" altLang="en-US"/>
           </a:p>
@@ -681,7 +683,7 @@
           <a:p>
             <a:fld id="{55B5673A-2C76-400E-AECF-A7C5CD58B306}" type="datetimeFigureOut">
               <a:rPr lang="zh-TW" altLang="en-US" smtClean="0"/>
-              <a:t>2020/12/28</a:t>
+              <a:t>2021/1/5</a:t>
             </a:fld>
             <a:endParaRPr lang="zh-TW" altLang="en-US"/>
           </a:p>
@@ -879,7 +881,7 @@
           <a:p>
             <a:fld id="{55B5673A-2C76-400E-AECF-A7C5CD58B306}" type="datetimeFigureOut">
               <a:rPr lang="zh-TW" altLang="en-US" smtClean="0"/>
-              <a:t>2020/12/28</a:t>
+              <a:t>2021/1/5</a:t>
             </a:fld>
             <a:endParaRPr lang="zh-TW" altLang="en-US"/>
           </a:p>
@@ -1154,7 +1156,7 @@
           <a:p>
             <a:fld id="{55B5673A-2C76-400E-AECF-A7C5CD58B306}" type="datetimeFigureOut">
               <a:rPr lang="zh-TW" altLang="en-US" smtClean="0"/>
-              <a:t>2020/12/28</a:t>
+              <a:t>2021/1/5</a:t>
             </a:fld>
             <a:endParaRPr lang="zh-TW" altLang="en-US"/>
           </a:p>
@@ -1419,7 +1421,7 @@
           <a:p>
             <a:fld id="{55B5673A-2C76-400E-AECF-A7C5CD58B306}" type="datetimeFigureOut">
               <a:rPr lang="zh-TW" altLang="en-US" smtClean="0"/>
-              <a:t>2020/12/28</a:t>
+              <a:t>2021/1/5</a:t>
             </a:fld>
             <a:endParaRPr lang="zh-TW" altLang="en-US"/>
           </a:p>
@@ -1831,7 +1833,7 @@
           <a:p>
             <a:fld id="{55B5673A-2C76-400E-AECF-A7C5CD58B306}" type="datetimeFigureOut">
               <a:rPr lang="zh-TW" altLang="en-US" smtClean="0"/>
-              <a:t>2020/12/28</a:t>
+              <a:t>2021/1/5</a:t>
             </a:fld>
             <a:endParaRPr lang="zh-TW" altLang="en-US"/>
           </a:p>
@@ -1972,7 +1974,7 @@
           <a:p>
             <a:fld id="{55B5673A-2C76-400E-AECF-A7C5CD58B306}" type="datetimeFigureOut">
               <a:rPr lang="zh-TW" altLang="en-US" smtClean="0"/>
-              <a:t>2020/12/28</a:t>
+              <a:t>2021/1/5</a:t>
             </a:fld>
             <a:endParaRPr lang="zh-TW" altLang="en-US"/>
           </a:p>
@@ -2085,7 +2087,7 @@
           <a:p>
             <a:fld id="{55B5673A-2C76-400E-AECF-A7C5CD58B306}" type="datetimeFigureOut">
               <a:rPr lang="zh-TW" altLang="en-US" smtClean="0"/>
-              <a:t>2020/12/28</a:t>
+              <a:t>2021/1/5</a:t>
             </a:fld>
             <a:endParaRPr lang="zh-TW" altLang="en-US"/>
           </a:p>
@@ -2396,7 +2398,7 @@
           <a:p>
             <a:fld id="{55B5673A-2C76-400E-AECF-A7C5CD58B306}" type="datetimeFigureOut">
               <a:rPr lang="zh-TW" altLang="en-US" smtClean="0"/>
-              <a:t>2020/12/28</a:t>
+              <a:t>2021/1/5</a:t>
             </a:fld>
             <a:endParaRPr lang="zh-TW" altLang="en-US"/>
           </a:p>
@@ -2684,7 +2686,7 @@
           <a:p>
             <a:fld id="{55B5673A-2C76-400E-AECF-A7C5CD58B306}" type="datetimeFigureOut">
               <a:rPr lang="zh-TW" altLang="en-US" smtClean="0"/>
-              <a:t>2020/12/28</a:t>
+              <a:t>2021/1/5</a:t>
             </a:fld>
             <a:endParaRPr lang="zh-TW" altLang="en-US"/>
           </a:p>
@@ -2928,7 +2930,7 @@
           <a:p>
             <a:fld id="{55B5673A-2C76-400E-AECF-A7C5CD58B306}" type="datetimeFigureOut">
               <a:rPr lang="zh-TW" altLang="en-US" smtClean="0"/>
-              <a:t>2020/12/28</a:t>
+              <a:t>2021/1/5</a:t>
             </a:fld>
             <a:endParaRPr lang="zh-TW" altLang="en-US"/>
           </a:p>
@@ -5535,6 +5537,617 @@
 </p:sld>
 </file>
 
+<file path=ppt/slides/slide6.xml><?xml version="1.0" encoding="utf-8"?>
+<p:sld xmlns:a="http://schemas.openxmlformats.org/drawingml/2006/main" xmlns:r="http://schemas.openxmlformats.org/officeDocument/2006/relationships" xmlns:p="http://schemas.openxmlformats.org/presentationml/2006/main">
+  <p:cSld>
+    <p:spTree>
+      <p:nvGrpSpPr>
+        <p:cNvPr id="1" name=""/>
+        <p:cNvGrpSpPr/>
+        <p:nvPr/>
+      </p:nvGrpSpPr>
+      <p:grpSpPr>
+        <a:xfrm>
+          <a:off x="0" y="0"/>
+          <a:ext cx="0" cy="0"/>
+          <a:chOff x="0" y="0"/>
+          <a:chExt cx="0" cy="0"/>
+        </a:xfrm>
+      </p:grpSpPr>
+      <p:sp>
+        <p:nvSpPr>
+          <p:cNvPr id="5" name="文字方塊 4">
+            <a:extLst>
+              <a:ext uri="{FF2B5EF4-FFF2-40B4-BE49-F238E27FC236}">
+                <a16:creationId xmlns:a16="http://schemas.microsoft.com/office/drawing/2014/main" id="{1821A05E-3781-4A44-8ED0-74A316C704BE}"/>
+              </a:ext>
+            </a:extLst>
+          </p:cNvPr>
+          <p:cNvSpPr txBox="1"/>
+          <p:nvPr/>
+        </p:nvSpPr>
+        <p:spPr>
+          <a:xfrm>
+            <a:off x="1117441" y="2115936"/>
+            <a:ext cx="9082946" cy="2923877"/>
+          </a:xfrm>
+          <a:prstGeom prst="rect">
+            <a:avLst/>
+          </a:prstGeom>
+          <a:noFill/>
+        </p:spPr>
+        <p:txBody>
+          <a:bodyPr wrap="square">
+            <a:spAutoFit/>
+          </a:bodyPr>
+          <a:lstStyle/>
+          <a:p>
+            <a:r>
+              <a:rPr lang="en-US" altLang="zh-TW" sz="2800" b="1" dirty="0">
+                <a:solidFill>
+                  <a:schemeClr val="bg1"/>
+                </a:solidFill>
+              </a:rPr>
+              <a:t>current-device </a:t>
+            </a:r>
+            <a:r>
+              <a:rPr lang="en-US" altLang="zh-TW" dirty="0">
+                <a:solidFill>
+                  <a:schemeClr val="bg1"/>
+                </a:solidFill>
+              </a:rPr>
+              <a:t>( https://github.com/matthewhudson/current-device ) </a:t>
+            </a:r>
+          </a:p>
+          <a:p>
+            <a:endParaRPr lang="en-US" altLang="zh-TW" dirty="0">
+              <a:solidFill>
+                <a:schemeClr val="bg1"/>
+              </a:solidFill>
+            </a:endParaRPr>
+          </a:p>
+          <a:p>
+            <a:r>
+              <a:rPr lang="en-US" altLang="zh-TW" sz="2800" b="1" dirty="0">
+                <a:solidFill>
+                  <a:schemeClr val="bg1"/>
+                </a:solidFill>
+              </a:rPr>
+              <a:t>element-</a:t>
+            </a:r>
+            <a:r>
+              <a:rPr lang="en-US" altLang="zh-TW" sz="2800" b="1" dirty="0" err="1">
+                <a:solidFill>
+                  <a:schemeClr val="bg1"/>
+                </a:solidFill>
+              </a:rPr>
+              <a:t>ui</a:t>
+            </a:r>
+            <a:r>
+              <a:rPr lang="en-US" altLang="zh-TW" sz="2800" b="1" dirty="0">
+                <a:solidFill>
+                  <a:schemeClr val="bg1"/>
+                </a:solidFill>
+              </a:rPr>
+              <a:t> </a:t>
+            </a:r>
+            <a:r>
+              <a:rPr lang="en-US" altLang="zh-TW" dirty="0">
+                <a:solidFill>
+                  <a:schemeClr val="bg1"/>
+                </a:solidFill>
+              </a:rPr>
+              <a:t>( https://element-plus.org/#/en-US/component/quickstart )</a:t>
+            </a:r>
+          </a:p>
+          <a:p>
+            <a:endParaRPr lang="en-US" altLang="zh-TW" dirty="0">
+              <a:solidFill>
+                <a:schemeClr val="bg1"/>
+              </a:solidFill>
+            </a:endParaRPr>
+          </a:p>
+          <a:p>
+            <a:r>
+              <a:rPr lang="en-US" altLang="zh-TW" sz="2800" b="1" dirty="0" err="1">
+                <a:solidFill>
+                  <a:schemeClr val="bg1"/>
+                </a:solidFill>
+              </a:rPr>
+              <a:t>aos</a:t>
+            </a:r>
+            <a:r>
+              <a:rPr lang="en-US" altLang="zh-TW" sz="2800" dirty="0">
+                <a:solidFill>
+                  <a:schemeClr val="bg1"/>
+                </a:solidFill>
+              </a:rPr>
+              <a:t> </a:t>
+            </a:r>
+            <a:r>
+              <a:rPr lang="en-US" altLang="zh-TW" dirty="0">
+                <a:solidFill>
+                  <a:schemeClr val="bg1"/>
+                </a:solidFill>
+              </a:rPr>
+              <a:t>( https://github.com/michalsnik/aos )</a:t>
+            </a:r>
+          </a:p>
+          <a:p>
+            <a:endParaRPr lang="en-US" altLang="zh-TW" dirty="0">
+              <a:solidFill>
+                <a:schemeClr val="bg1"/>
+              </a:solidFill>
+            </a:endParaRPr>
+          </a:p>
+          <a:p>
+            <a:r>
+              <a:rPr lang="en-US" altLang="zh-TW" sz="2800" b="1" dirty="0">
+                <a:solidFill>
+                  <a:schemeClr val="bg1"/>
+                </a:solidFill>
+              </a:rPr>
+              <a:t>swiper</a:t>
+            </a:r>
+            <a:r>
+              <a:rPr lang="en-US" altLang="zh-TW" dirty="0">
+                <a:solidFill>
+                  <a:schemeClr val="bg1"/>
+                </a:solidFill>
+              </a:rPr>
+              <a:t> ( https://swiperjs.com/ )</a:t>
+            </a:r>
+          </a:p>
+          <a:p>
+            <a:endParaRPr lang="zh-TW" altLang="en-US" dirty="0">
+              <a:solidFill>
+                <a:schemeClr val="bg1"/>
+              </a:solidFill>
+            </a:endParaRPr>
+          </a:p>
+        </p:txBody>
+      </p:sp>
+    </p:spTree>
+    <p:extLst>
+      <p:ext uri="{BB962C8B-B14F-4D97-AF65-F5344CB8AC3E}">
+        <p14:creationId xmlns:p14="http://schemas.microsoft.com/office/powerpoint/2010/main" val="2418879799"/>
+      </p:ext>
+    </p:extLst>
+  </p:cSld>
+  <p:clrMapOvr>
+    <a:masterClrMapping/>
+  </p:clrMapOvr>
+</p:sld>
+</file>
+
+<file path=ppt/slides/slide7.xml><?xml version="1.0" encoding="utf-8"?>
+<p:sld xmlns:a="http://schemas.openxmlformats.org/drawingml/2006/main" xmlns:r="http://schemas.openxmlformats.org/officeDocument/2006/relationships" xmlns:p="http://schemas.openxmlformats.org/presentationml/2006/main">
+  <p:cSld>
+    <p:spTree>
+      <p:nvGrpSpPr>
+        <p:cNvPr id="1" name=""/>
+        <p:cNvGrpSpPr/>
+        <p:nvPr/>
+      </p:nvGrpSpPr>
+      <p:grpSpPr>
+        <a:xfrm>
+          <a:off x="0" y="0"/>
+          <a:ext cx="0" cy="0"/>
+          <a:chOff x="0" y="0"/>
+          <a:chExt cx="0" cy="0"/>
+        </a:xfrm>
+      </p:grpSpPr>
+      <p:sp>
+        <p:nvSpPr>
+          <p:cNvPr id="3" name="內容版面配置區 2">
+            <a:extLst>
+              <a:ext uri="{FF2B5EF4-FFF2-40B4-BE49-F238E27FC236}">
+                <a16:creationId xmlns:a16="http://schemas.microsoft.com/office/drawing/2014/main" id="{86F19D36-15FA-4156-8CFE-CF6BDBB4EFB2}"/>
+              </a:ext>
+            </a:extLst>
+          </p:cNvPr>
+          <p:cNvSpPr>
+            <a:spLocks noGrp="1"/>
+          </p:cNvSpPr>
+          <p:nvPr>
+            <p:ph idx="1"/>
+          </p:nvPr>
+        </p:nvSpPr>
+        <p:spPr>
+          <a:xfrm>
+            <a:off x="838200" y="1067747"/>
+            <a:ext cx="10515600" cy="5024024"/>
+          </a:xfrm>
+        </p:spPr>
+        <p:txBody>
+          <a:bodyPr>
+            <a:normAutofit/>
+          </a:bodyPr>
+          <a:lstStyle/>
+          <a:p>
+            <a:pPr>
+              <a:lnSpc>
+                <a:spcPct val="150000"/>
+              </a:lnSpc>
+            </a:pPr>
+            <a:r>
+              <a:rPr lang="en-US" altLang="zh-TW" dirty="0">
+                <a:solidFill>
+                  <a:schemeClr val="bg1"/>
+                </a:solidFill>
+                <a:latin typeface="微軟正黑體" panose="020B0604030504040204" pitchFamily="34" charset="-120"/>
+                <a:ea typeface="微軟正黑體" panose="020B0604030504040204" pitchFamily="34" charset="-120"/>
+              </a:rPr>
+              <a:t>Vue2 </a:t>
+            </a:r>
+            <a:r>
+              <a:rPr lang="zh-TW" altLang="en-US" dirty="0">
+                <a:solidFill>
+                  <a:schemeClr val="bg1"/>
+                </a:solidFill>
+                <a:latin typeface="微軟正黑體" panose="020B0604030504040204" pitchFamily="34" charset="-120"/>
+                <a:ea typeface="微軟正黑體" panose="020B0604030504040204" pitchFamily="34" charset="-120"/>
+              </a:rPr>
+              <a:t>跟 </a:t>
+            </a:r>
+            <a:r>
+              <a:rPr lang="en-US" altLang="zh-TW" dirty="0">
+                <a:solidFill>
+                  <a:schemeClr val="bg1"/>
+                </a:solidFill>
+                <a:latin typeface="微軟正黑體" panose="020B0604030504040204" pitchFamily="34" charset="-120"/>
+                <a:ea typeface="微軟正黑體" panose="020B0604030504040204" pitchFamily="34" charset="-120"/>
+              </a:rPr>
+              <a:t>Vue3 </a:t>
+            </a:r>
+            <a:r>
+              <a:rPr lang="zh-TW" altLang="en-US" dirty="0">
+                <a:solidFill>
+                  <a:schemeClr val="bg1"/>
+                </a:solidFill>
+                <a:latin typeface="微軟正黑體" panose="020B0604030504040204" pitchFamily="34" charset="-120"/>
+                <a:ea typeface="微軟正黑體" panose="020B0604030504040204" pitchFamily="34" charset="-120"/>
+              </a:rPr>
+              <a:t>除了寫法上的差異外，還有哪些不一樣的地方 </a:t>
+            </a:r>
+            <a:r>
+              <a:rPr lang="en-US" altLang="zh-TW" dirty="0">
+                <a:solidFill>
+                  <a:schemeClr val="bg1"/>
+                </a:solidFill>
+                <a:latin typeface="微軟正黑體" panose="020B0604030504040204" pitchFamily="34" charset="-120"/>
+                <a:ea typeface="微軟正黑體" panose="020B0604030504040204" pitchFamily="34" charset="-120"/>
+              </a:rPr>
+              <a:t>?</a:t>
+            </a:r>
+          </a:p>
+          <a:p>
+            <a:pPr>
+              <a:lnSpc>
+                <a:spcPct val="150000"/>
+              </a:lnSpc>
+            </a:pPr>
+            <a:r>
+              <a:rPr lang="en-US" altLang="zh-TW" dirty="0">
+                <a:solidFill>
+                  <a:schemeClr val="bg1"/>
+                </a:solidFill>
+                <a:latin typeface="微軟正黑體" panose="020B0604030504040204" pitchFamily="34" charset="-120"/>
+                <a:ea typeface="微軟正黑體" panose="020B0604030504040204" pitchFamily="34" charset="-120"/>
+              </a:rPr>
+              <a:t>Composition </a:t>
+            </a:r>
+            <a:r>
+              <a:rPr lang="en-US" altLang="zh-TW" dirty="0" err="1">
+                <a:solidFill>
+                  <a:schemeClr val="bg1"/>
+                </a:solidFill>
+                <a:latin typeface="微軟正黑體" panose="020B0604030504040204" pitchFamily="34" charset="-120"/>
+                <a:ea typeface="微軟正黑體" panose="020B0604030504040204" pitchFamily="34" charset="-120"/>
+              </a:rPr>
+              <a:t>api</a:t>
+            </a:r>
+            <a:r>
+              <a:rPr lang="zh-TW" altLang="en-US" dirty="0">
+                <a:solidFill>
+                  <a:schemeClr val="bg1"/>
+                </a:solidFill>
+                <a:latin typeface="微軟正黑體" panose="020B0604030504040204" pitchFamily="34" charset="-120"/>
+                <a:ea typeface="微軟正黑體" panose="020B0604030504040204" pitchFamily="34" charset="-120"/>
+              </a:rPr>
+              <a:t> 解決了什麼問題 </a:t>
+            </a:r>
+            <a:r>
+              <a:rPr lang="en-US" altLang="zh-TW" dirty="0">
+                <a:solidFill>
+                  <a:schemeClr val="bg1"/>
+                </a:solidFill>
+                <a:latin typeface="微軟正黑體" panose="020B0604030504040204" pitchFamily="34" charset="-120"/>
+                <a:ea typeface="微軟正黑體" panose="020B0604030504040204" pitchFamily="34" charset="-120"/>
+              </a:rPr>
+              <a:t>?</a:t>
+            </a:r>
+          </a:p>
+          <a:p>
+            <a:pPr>
+              <a:lnSpc>
+                <a:spcPct val="150000"/>
+              </a:lnSpc>
+            </a:pPr>
+            <a:r>
+              <a:rPr lang="zh-TW" altLang="en-US" dirty="0">
+                <a:solidFill>
+                  <a:schemeClr val="bg1"/>
+                </a:solidFill>
+                <a:latin typeface="微軟正黑體" panose="020B0604030504040204" pitchFamily="34" charset="-120"/>
+                <a:ea typeface="微軟正黑體" panose="020B0604030504040204" pitchFamily="34" charset="-120"/>
+              </a:rPr>
+              <a:t>為什麼</a:t>
+            </a:r>
+            <a:r>
+              <a:rPr lang="en-US" altLang="zh-TW" dirty="0">
+                <a:solidFill>
+                  <a:schemeClr val="bg1"/>
+                </a:solidFill>
+                <a:latin typeface="微軟正黑體" panose="020B0604030504040204" pitchFamily="34" charset="-120"/>
+                <a:ea typeface="微軟正黑體" panose="020B0604030504040204" pitchFamily="34" charset="-120"/>
+              </a:rPr>
+              <a:t>v-for</a:t>
+            </a:r>
+            <a:r>
+              <a:rPr lang="zh-TW" altLang="en-US" dirty="0">
+                <a:solidFill>
+                  <a:schemeClr val="bg1"/>
+                </a:solidFill>
+                <a:latin typeface="微軟正黑體" panose="020B0604030504040204" pitchFamily="34" charset="-120"/>
+                <a:ea typeface="微軟正黑體" panose="020B0604030504040204" pitchFamily="34" charset="-120"/>
+              </a:rPr>
+              <a:t>在跑的時候需要</a:t>
+            </a:r>
+            <a:r>
+              <a:rPr lang="en-US" altLang="zh-TW" dirty="0">
+                <a:solidFill>
+                  <a:schemeClr val="bg1"/>
+                </a:solidFill>
+                <a:latin typeface="微軟正黑體" panose="020B0604030504040204" pitchFamily="34" charset="-120"/>
+                <a:ea typeface="微軟正黑體" panose="020B0604030504040204" pitchFamily="34" charset="-120"/>
+              </a:rPr>
+              <a:t>key ?</a:t>
+            </a:r>
+          </a:p>
+          <a:p>
+            <a:pPr>
+              <a:lnSpc>
+                <a:spcPct val="150000"/>
+              </a:lnSpc>
+            </a:pPr>
+            <a:r>
+              <a:rPr lang="zh-TW" altLang="en-US" dirty="0">
+                <a:solidFill>
+                  <a:schemeClr val="bg1"/>
+                </a:solidFill>
+                <a:latin typeface="微軟正黑體" panose="020B0604030504040204" pitchFamily="34" charset="-120"/>
+                <a:ea typeface="微軟正黑體" panose="020B0604030504040204" pitchFamily="34" charset="-120"/>
+              </a:rPr>
+              <a:t>你有用過</a:t>
+            </a:r>
+            <a:r>
+              <a:rPr lang="en-US" altLang="zh-TW" dirty="0" err="1">
+                <a:solidFill>
+                  <a:schemeClr val="bg1"/>
+                </a:solidFill>
+                <a:latin typeface="微軟正黑體" panose="020B0604030504040204" pitchFamily="34" charset="-120"/>
+                <a:ea typeface="微軟正黑體" panose="020B0604030504040204" pitchFamily="34" charset="-120"/>
+              </a:rPr>
+              <a:t>Vuex</a:t>
+            </a:r>
+            <a:r>
+              <a:rPr lang="zh-TW" altLang="en-US" dirty="0">
+                <a:solidFill>
+                  <a:schemeClr val="bg1"/>
+                </a:solidFill>
+                <a:latin typeface="微軟正黑體" panose="020B0604030504040204" pitchFamily="34" charset="-120"/>
+                <a:ea typeface="微軟正黑體" panose="020B0604030504040204" pitchFamily="34" charset="-120"/>
+              </a:rPr>
+              <a:t>嗎</a:t>
+            </a:r>
+            <a:r>
+              <a:rPr lang="en-US" altLang="zh-TW" dirty="0">
+                <a:solidFill>
+                  <a:schemeClr val="bg1"/>
+                </a:solidFill>
+                <a:latin typeface="微軟正黑體" panose="020B0604030504040204" pitchFamily="34" charset="-120"/>
+                <a:ea typeface="微軟正黑體" panose="020B0604030504040204" pitchFamily="34" charset="-120"/>
+              </a:rPr>
+              <a:t>?</a:t>
+            </a:r>
+            <a:r>
+              <a:rPr lang="zh-TW" altLang="en-US" dirty="0">
+                <a:solidFill>
+                  <a:schemeClr val="bg1"/>
+                </a:solidFill>
+                <a:latin typeface="微軟正黑體" panose="020B0604030504040204" pitchFamily="34" charset="-120"/>
+                <a:ea typeface="微軟正黑體" panose="020B0604030504040204" pitchFamily="34" charset="-120"/>
+              </a:rPr>
+              <a:t> </a:t>
+            </a:r>
+            <a:r>
+              <a:rPr lang="en-US" altLang="zh-TW" dirty="0" err="1">
+                <a:solidFill>
+                  <a:schemeClr val="bg1"/>
+                </a:solidFill>
+                <a:latin typeface="微軟正黑體" panose="020B0604030504040204" pitchFamily="34" charset="-120"/>
+                <a:ea typeface="微軟正黑體" panose="020B0604030504040204" pitchFamily="34" charset="-120"/>
+              </a:rPr>
+              <a:t>Vuex</a:t>
+            </a:r>
+            <a:r>
+              <a:rPr lang="zh-TW" altLang="en-US" dirty="0">
+                <a:solidFill>
+                  <a:schemeClr val="bg1"/>
+                </a:solidFill>
+                <a:latin typeface="微軟正黑體" panose="020B0604030504040204" pitchFamily="34" charset="-120"/>
+                <a:ea typeface="微軟正黑體" panose="020B0604030504040204" pitchFamily="34" charset="-120"/>
+              </a:rPr>
+              <a:t>可以解決甚麼問題 </a:t>
+            </a:r>
+            <a:r>
+              <a:rPr lang="en-US" altLang="zh-TW" dirty="0">
+                <a:solidFill>
+                  <a:schemeClr val="bg1"/>
+                </a:solidFill>
+                <a:latin typeface="微軟正黑體" panose="020B0604030504040204" pitchFamily="34" charset="-120"/>
+                <a:ea typeface="微軟正黑體" panose="020B0604030504040204" pitchFamily="34" charset="-120"/>
+              </a:rPr>
+              <a:t>?</a:t>
+            </a:r>
+          </a:p>
+          <a:p>
+            <a:pPr>
+              <a:lnSpc>
+                <a:spcPct val="150000"/>
+              </a:lnSpc>
+            </a:pPr>
+            <a:r>
+              <a:rPr lang="zh-TW" altLang="en-US" dirty="0">
+                <a:solidFill>
+                  <a:schemeClr val="bg1"/>
+                </a:solidFill>
+                <a:latin typeface="微軟正黑體" panose="020B0604030504040204" pitchFamily="34" charset="-120"/>
+                <a:ea typeface="微軟正黑體" panose="020B0604030504040204" pitchFamily="34" charset="-120"/>
+              </a:rPr>
+              <a:t>你的</a:t>
+            </a:r>
+            <a:r>
+              <a:rPr lang="en-US" altLang="zh-TW" dirty="0">
+                <a:solidFill>
+                  <a:schemeClr val="bg1"/>
+                </a:solidFill>
+                <a:latin typeface="微軟正黑體" panose="020B0604030504040204" pitchFamily="34" charset="-120"/>
+                <a:ea typeface="微軟正黑體" panose="020B0604030504040204" pitchFamily="34" charset="-120"/>
+              </a:rPr>
+              <a:t>API</a:t>
+            </a:r>
+            <a:r>
+              <a:rPr lang="zh-TW" altLang="en-US" dirty="0">
+                <a:solidFill>
+                  <a:schemeClr val="bg1"/>
+                </a:solidFill>
+                <a:latin typeface="微軟正黑體" panose="020B0604030504040204" pitchFamily="34" charset="-120"/>
+                <a:ea typeface="微軟正黑體" panose="020B0604030504040204" pitchFamily="34" charset="-120"/>
+              </a:rPr>
+              <a:t>是怎麼規劃的 </a:t>
+            </a:r>
+            <a:r>
+              <a:rPr lang="en-US" altLang="zh-TW" dirty="0">
+                <a:solidFill>
+                  <a:schemeClr val="bg1"/>
+                </a:solidFill>
+                <a:latin typeface="微軟正黑體" panose="020B0604030504040204" pitchFamily="34" charset="-120"/>
+                <a:ea typeface="微軟正黑體" panose="020B0604030504040204" pitchFamily="34" charset="-120"/>
+              </a:rPr>
+              <a:t>?</a:t>
+            </a:r>
+          </a:p>
+          <a:p>
+            <a:pPr>
+              <a:lnSpc>
+                <a:spcPct val="150000"/>
+              </a:lnSpc>
+            </a:pPr>
+            <a:r>
+              <a:rPr lang="en-US" altLang="zh-TW" dirty="0">
+                <a:solidFill>
+                  <a:schemeClr val="bg1"/>
+                </a:solidFill>
+                <a:latin typeface="微軟正黑體" panose="020B0604030504040204" pitchFamily="34" charset="-120"/>
+                <a:ea typeface="微軟正黑體" panose="020B0604030504040204" pitchFamily="34" charset="-120"/>
+              </a:rPr>
+              <a:t>v-if </a:t>
+            </a:r>
+            <a:r>
+              <a:rPr lang="zh-TW" altLang="en-US" dirty="0">
+                <a:solidFill>
+                  <a:schemeClr val="bg1"/>
+                </a:solidFill>
+                <a:latin typeface="微軟正黑體" panose="020B0604030504040204" pitchFamily="34" charset="-120"/>
+                <a:ea typeface="微軟正黑體" panose="020B0604030504040204" pitchFamily="34" charset="-120"/>
+              </a:rPr>
+              <a:t>跟 </a:t>
+            </a:r>
+            <a:r>
+              <a:rPr lang="en-US" altLang="zh-TW" dirty="0">
+                <a:solidFill>
+                  <a:schemeClr val="bg1"/>
+                </a:solidFill>
+                <a:latin typeface="微軟正黑體" panose="020B0604030504040204" pitchFamily="34" charset="-120"/>
+                <a:ea typeface="微軟正黑體" panose="020B0604030504040204" pitchFamily="34" charset="-120"/>
+              </a:rPr>
+              <a:t>v-show</a:t>
+            </a:r>
+            <a:r>
+              <a:rPr lang="zh-TW" altLang="en-US" dirty="0">
+                <a:solidFill>
+                  <a:schemeClr val="bg1"/>
+                </a:solidFill>
+                <a:latin typeface="微軟正黑體" panose="020B0604030504040204" pitchFamily="34" charset="-120"/>
+                <a:ea typeface="微軟正黑體" panose="020B0604030504040204" pitchFamily="34" charset="-120"/>
+              </a:rPr>
+              <a:t>的差別</a:t>
+            </a:r>
+            <a:r>
+              <a:rPr lang="en-US" altLang="zh-TW" dirty="0">
+                <a:solidFill>
+                  <a:schemeClr val="bg1"/>
+                </a:solidFill>
+                <a:latin typeface="微軟正黑體" panose="020B0604030504040204" pitchFamily="34" charset="-120"/>
+                <a:ea typeface="微軟正黑體" panose="020B0604030504040204" pitchFamily="34" charset="-120"/>
+              </a:rPr>
+              <a:t>?</a:t>
+            </a:r>
+            <a:r>
+              <a:rPr lang="zh-TW" altLang="en-US" dirty="0">
+                <a:solidFill>
+                  <a:schemeClr val="bg1"/>
+                </a:solidFill>
+                <a:latin typeface="微軟正黑體" panose="020B0604030504040204" pitchFamily="34" charset="-120"/>
+                <a:ea typeface="微軟正黑體" panose="020B0604030504040204" pitchFamily="34" charset="-120"/>
+              </a:rPr>
+              <a:t> 分別甚麼情境下會使用</a:t>
+            </a:r>
+            <a:r>
+              <a:rPr lang="en-US" altLang="zh-TW" dirty="0">
+                <a:solidFill>
+                  <a:schemeClr val="bg1"/>
+                </a:solidFill>
+                <a:latin typeface="微軟正黑體" panose="020B0604030504040204" pitchFamily="34" charset="-120"/>
+                <a:ea typeface="微軟正黑體" panose="020B0604030504040204" pitchFamily="34" charset="-120"/>
+              </a:rPr>
+              <a:t>?</a:t>
+            </a:r>
+            <a:endParaRPr lang="zh-TW" altLang="en-US" dirty="0">
+              <a:solidFill>
+                <a:schemeClr val="bg1"/>
+              </a:solidFill>
+              <a:latin typeface="微軟正黑體" panose="020B0604030504040204" pitchFamily="34" charset="-120"/>
+              <a:ea typeface="微軟正黑體" panose="020B0604030504040204" pitchFamily="34" charset="-120"/>
+            </a:endParaRPr>
+          </a:p>
+        </p:txBody>
+      </p:sp>
+    </p:spTree>
+    <p:extLst>
+      <p:ext uri="{BB962C8B-B14F-4D97-AF65-F5344CB8AC3E}">
+        <p14:creationId xmlns:p14="http://schemas.microsoft.com/office/powerpoint/2010/main" val="775560041"/>
+      </p:ext>
+    </p:extLst>
+  </p:cSld>
+  <p:clrMapOvr>
+    <a:masterClrMapping/>
+  </p:clrMapOvr>
+</p:sld>
+</file>
+
 <file path=ppt/theme/theme1.xml><?xml version="1.0" encoding="utf-8"?>
 <a:theme xmlns:a="http://schemas.openxmlformats.org/drawingml/2006/main" name="Office 佈景主題">
   <a:themeElements>
